--- a/documents/processing overview.pptx
+++ b/documents/processing overview.pptx
@@ -256,7 +256,7 @@
           <a:p>
             <a:fld id="{A812DB72-54FA-CD49-B8F8-6DA11D3052DF}" type="datetimeFigureOut">
               <a:rPr lang="en-US" smtClean="0"/>
-              <a:t>1/18/17</a:t>
+              <a:t>1/25/17</a:t>
             </a:fld>
             <a:endParaRPr lang="en-US"/>
           </a:p>
@@ -426,7 +426,7 @@
           <a:p>
             <a:fld id="{A812DB72-54FA-CD49-B8F8-6DA11D3052DF}" type="datetimeFigureOut">
               <a:rPr lang="en-US" smtClean="0"/>
-              <a:t>1/18/17</a:t>
+              <a:t>1/25/17</a:t>
             </a:fld>
             <a:endParaRPr lang="en-US"/>
           </a:p>
@@ -606,7 +606,7 @@
           <a:p>
             <a:fld id="{A812DB72-54FA-CD49-B8F8-6DA11D3052DF}" type="datetimeFigureOut">
               <a:rPr lang="en-US" smtClean="0"/>
-              <a:t>1/18/17</a:t>
+              <a:t>1/25/17</a:t>
             </a:fld>
             <a:endParaRPr lang="en-US"/>
           </a:p>
@@ -776,7 +776,7 @@
           <a:p>
             <a:fld id="{A812DB72-54FA-CD49-B8F8-6DA11D3052DF}" type="datetimeFigureOut">
               <a:rPr lang="en-US" smtClean="0"/>
-              <a:t>1/18/17</a:t>
+              <a:t>1/25/17</a:t>
             </a:fld>
             <a:endParaRPr lang="en-US"/>
           </a:p>
@@ -1022,7 +1022,7 @@
           <a:p>
             <a:fld id="{A812DB72-54FA-CD49-B8F8-6DA11D3052DF}" type="datetimeFigureOut">
               <a:rPr lang="en-US" smtClean="0"/>
-              <a:t>1/18/17</a:t>
+              <a:t>1/25/17</a:t>
             </a:fld>
             <a:endParaRPr lang="en-US"/>
           </a:p>
@@ -1254,7 +1254,7 @@
           <a:p>
             <a:fld id="{A812DB72-54FA-CD49-B8F8-6DA11D3052DF}" type="datetimeFigureOut">
               <a:rPr lang="en-US" smtClean="0"/>
-              <a:t>1/18/17</a:t>
+              <a:t>1/25/17</a:t>
             </a:fld>
             <a:endParaRPr lang="en-US"/>
           </a:p>
@@ -1621,7 +1621,7 @@
           <a:p>
             <a:fld id="{A812DB72-54FA-CD49-B8F8-6DA11D3052DF}" type="datetimeFigureOut">
               <a:rPr lang="en-US" smtClean="0"/>
-              <a:t>1/18/17</a:t>
+              <a:t>1/25/17</a:t>
             </a:fld>
             <a:endParaRPr lang="en-US"/>
           </a:p>
@@ -1739,7 +1739,7 @@
           <a:p>
             <a:fld id="{A812DB72-54FA-CD49-B8F8-6DA11D3052DF}" type="datetimeFigureOut">
               <a:rPr lang="en-US" smtClean="0"/>
-              <a:t>1/18/17</a:t>
+              <a:t>1/25/17</a:t>
             </a:fld>
             <a:endParaRPr lang="en-US"/>
           </a:p>
@@ -1834,7 +1834,7 @@
           <a:p>
             <a:fld id="{A812DB72-54FA-CD49-B8F8-6DA11D3052DF}" type="datetimeFigureOut">
               <a:rPr lang="en-US" smtClean="0"/>
-              <a:t>1/18/17</a:t>
+              <a:t>1/25/17</a:t>
             </a:fld>
             <a:endParaRPr lang="en-US"/>
           </a:p>
@@ -2111,7 +2111,7 @@
           <a:p>
             <a:fld id="{A812DB72-54FA-CD49-B8F8-6DA11D3052DF}" type="datetimeFigureOut">
               <a:rPr lang="en-US" smtClean="0"/>
-              <a:t>1/18/17</a:t>
+              <a:t>1/25/17</a:t>
             </a:fld>
             <a:endParaRPr lang="en-US"/>
           </a:p>
@@ -2364,7 +2364,7 @@
           <a:p>
             <a:fld id="{A812DB72-54FA-CD49-B8F8-6DA11D3052DF}" type="datetimeFigureOut">
               <a:rPr lang="en-US" smtClean="0"/>
-              <a:t>1/18/17</a:t>
+              <a:t>1/25/17</a:t>
             </a:fld>
             <a:endParaRPr lang="en-US"/>
           </a:p>
@@ -2577,7 +2577,7 @@
           <a:p>
             <a:fld id="{A812DB72-54FA-CD49-B8F8-6DA11D3052DF}" type="datetimeFigureOut">
               <a:rPr lang="en-US" smtClean="0"/>
-              <a:t>1/18/17</a:t>
+              <a:t>1/25/17</a:t>
             </a:fld>
             <a:endParaRPr lang="en-US"/>
           </a:p>
@@ -10968,7 +10968,15 @@
                   <a:schemeClr val="tx1"/>
                 </a:solidFill>
               </a:rPr>
-              <a:t>ltfsdm migrate file-1 </a:t>
+              <a:t>ltfsdm migrate </a:t>
+            </a:r>
+            <a:r>
+              <a:rPr lang="en-US" sz="1200" dirty="0" smtClean="0">
+                <a:solidFill>
+                  <a:schemeClr val="tx1"/>
+                </a:solidFill>
+              </a:rPr>
+              <a:t>file.11 </a:t>
             </a:r>
             <a:r>
               <a:rPr lang="mr-IN" sz="1200" dirty="0" smtClean="0">
@@ -10984,7 +10992,15 @@
                   <a:schemeClr val="tx1"/>
                 </a:solidFill>
               </a:rPr>
-              <a:t> file-10</a:t>
+              <a:t> </a:t>
+            </a:r>
+            <a:r>
+              <a:rPr lang="en-US" sz="1200" dirty="0" smtClean="0">
+                <a:solidFill>
+                  <a:schemeClr val="tx1"/>
+                </a:solidFill>
+              </a:rPr>
+              <a:t>file.20</a:t>
             </a:r>
             <a:endParaRPr lang="en-US" sz="1200" dirty="0">
               <a:solidFill>
@@ -11042,7 +11058,31 @@
                   <a:schemeClr val="tx1"/>
                 </a:solidFill>
               </a:rPr>
-              <a:t>ltfsdm recall file@1 </a:t>
+              <a:t>ltfsdm recall </a:t>
+            </a:r>
+            <a:r>
+              <a:rPr lang="en-US" sz="1200" dirty="0" smtClean="0">
+                <a:solidFill>
+                  <a:schemeClr val="tx1"/>
+                </a:solidFill>
+              </a:rPr>
+              <a:t>file</a:t>
+            </a:r>
+            <a:r>
+              <a:rPr lang="en-US" sz="1200" dirty="0" smtClean="0">
+                <a:solidFill>
+                  <a:schemeClr val="tx1"/>
+                </a:solidFill>
+              </a:rPr>
+              <a:t>.21</a:t>
+            </a:r>
+            <a:r>
+              <a:rPr lang="en-US" sz="1200" dirty="0" smtClean="0">
+                <a:solidFill>
+                  <a:schemeClr val="tx1"/>
+                </a:solidFill>
+              </a:rPr>
+              <a:t> </a:t>
             </a:r>
             <a:r>
               <a:rPr lang="mr-IN" sz="1200" dirty="0" smtClean="0">
@@ -11058,7 +11098,15 @@
                   <a:schemeClr val="tx1"/>
                 </a:solidFill>
               </a:rPr>
-              <a:t> file@10</a:t>
+              <a:t> </a:t>
+            </a:r>
+            <a:r>
+              <a:rPr lang="en-US" sz="1200" dirty="0" smtClean="0">
+                <a:solidFill>
+                  <a:schemeClr val="tx1"/>
+                </a:solidFill>
+              </a:rPr>
+              <a:t>file.30</a:t>
             </a:r>
             <a:endParaRPr lang="en-US" sz="1200" dirty="0">
               <a:solidFill>
@@ -11140,7 +11188,7 @@
           <p:nvPr>
             <p:extLst>
               <p:ext uri="{D42A27DB-BD31-4B8C-83A1-F6EECF244321}">
-                <p14:modId xmlns:p14="http://schemas.microsoft.com/office/powerpoint/2010/main" val="1051090890"/>
+                <p14:modId xmlns:p14="http://schemas.microsoft.com/office/powerpoint/2010/main" val="852540927"/>
               </p:ext>
             </p:extLst>
           </p:nvPr>
@@ -14308,7 +14356,7 @@
                           <a:effectLst/>
                           <a:latin typeface="Calibri" charset="0"/>
                         </a:rPr>
-                        <a:t>file-1</a:t>
+                        <a:t>file.11</a:t>
                       </a:r>
                       <a:endParaRPr lang="en-US" sz="1000" b="0" i="0" u="none" strike="noStrike" dirty="0">
                         <a:solidFill>
@@ -15404,7 +15452,7 @@
                           <a:effectLst/>
                           <a:latin typeface="Calibri" charset="0"/>
                         </a:rPr>
-                        <a:t>file@1</a:t>
+                        <a:t>file.21</a:t>
                       </a:r>
                       <a:endParaRPr lang="en-US" sz="1000" b="0" i="0" u="none" strike="noStrike" dirty="0">
                         <a:solidFill>
@@ -18650,7 +18698,7 @@
                           <a:effectLst/>
                           <a:latin typeface="Calibri" charset="0"/>
                         </a:rPr>
-                        <a:t>file-10</a:t>
+                        <a:t>file.20</a:t>
                       </a:r>
                       <a:endParaRPr lang="en-US" sz="1000" b="0" i="0" u="none" strike="noStrike" dirty="0">
                         <a:solidFill>
@@ -19746,7 +19794,7 @@
                           <a:effectLst/>
                           <a:latin typeface="Calibri" charset="0"/>
                         </a:rPr>
-                        <a:t>file@10</a:t>
+                        <a:t>file.30</a:t>
                       </a:r>
                       <a:endParaRPr lang="en-US" sz="1000" b="0" i="0" u="none" strike="noStrike" dirty="0">
                         <a:solidFill>
@@ -24524,15 +24572,7 @@
           <a:p>
             <a:r>
               <a:rPr lang="en-US" sz="1000" dirty="0" smtClean="0"/>
-              <a:t>SELECT OPERATION, REQ_NUM, TARGET_STATE, </a:t>
-            </a:r>
-            <a:r>
-              <a:rPr lang="en-US" sz="1000" smtClean="0"/>
-              <a:t>NUM_REPL, REPL_NUM</a:t>
-            </a:r>
-            <a:r>
-              <a:rPr lang="en-US" sz="1000" dirty="0" smtClean="0"/>
-              <a:t>, COLOC_GRP, TAPE_IDFROM REQUEST_QUEUE WHERE STATE=</a:t>
+              <a:t>SELECT OPERATION, REQ_NUM, TARGET_STATE, NUM_REPL, REPL_NUM, COLOC_GRP, TAPE_IDFROM REQUEST_QUEUE WHERE STATE=</a:t>
             </a:r>
             <a:r>
               <a:rPr lang="en-US" sz="1000" dirty="0" err="1" smtClean="0"/>
@@ -24657,6 +24697,202 @@
           </a:p>
         </p:txBody>
       </p:sp>
+      <p:sp>
+        <p:nvSpPr>
+          <p:cNvPr id="2" name="Rectangle 1"/>
+          <p:cNvSpPr/>
+          <p:nvPr/>
+        </p:nvSpPr>
+        <p:spPr>
+          <a:xfrm>
+            <a:off x="1333545" y="5328192"/>
+            <a:ext cx="1380506" cy="338554"/>
+          </a:xfrm>
+          <a:prstGeom prst="rect">
+            <a:avLst/>
+          </a:prstGeom>
+        </p:spPr>
+        <p:txBody>
+          <a:bodyPr wrap="none">
+            <a:spAutoFit/>
+          </a:bodyPr>
+          <a:lstStyle/>
+          <a:p>
+            <a:pPr lvl="2">
+              <a:spcBef>
+                <a:spcPts val="3000"/>
+              </a:spcBef>
+              <a:spcAft>
+                <a:spcPts val="400"/>
+              </a:spcAft>
+            </a:pPr>
+            <a:r>
+              <a:rPr lang="en-US" sz="1600" b="1" kern="0">
+                <a:solidFill>
+                  <a:srgbClr val="2E74B5"/>
+                </a:solidFill>
+                <a:ea typeface="Times New Roman" charset="0"/>
+                <a:cs typeface="Times New Roman" charset="0"/>
+              </a:rPr>
+              <a:t>①</a:t>
+            </a:r>
+            <a:endParaRPr lang="en-US" sz="1600" b="1" kern="0" dirty="0">
+              <a:solidFill>
+                <a:srgbClr val="2E74B5"/>
+              </a:solidFill>
+              <a:ea typeface="Times New Roman" charset="0"/>
+              <a:cs typeface="Times New Roman" charset="0"/>
+            </a:endParaRPr>
+          </a:p>
+        </p:txBody>
+      </p:sp>
+      <p:sp>
+        <p:nvSpPr>
+          <p:cNvPr id="3" name="Rectangle 2"/>
+          <p:cNvSpPr/>
+          <p:nvPr/>
+        </p:nvSpPr>
+        <p:spPr>
+          <a:xfrm>
+            <a:off x="1104068" y="4047273"/>
+            <a:ext cx="1380506" cy="338554"/>
+          </a:xfrm>
+          <a:prstGeom prst="rect">
+            <a:avLst/>
+          </a:prstGeom>
+        </p:spPr>
+        <p:txBody>
+          <a:bodyPr wrap="none">
+            <a:spAutoFit/>
+          </a:bodyPr>
+          <a:lstStyle/>
+          <a:p>
+            <a:pPr lvl="2">
+              <a:spcBef>
+                <a:spcPts val="3000"/>
+              </a:spcBef>
+              <a:spcAft>
+                <a:spcPts val="400"/>
+              </a:spcAft>
+            </a:pPr>
+            <a:r>
+              <a:rPr lang="en-US" sz="1600" b="1" kern="0">
+                <a:solidFill>
+                  <a:srgbClr val="2E74B5"/>
+                </a:solidFill>
+                <a:ea typeface="Times New Roman" charset="0"/>
+                <a:cs typeface="Times New Roman" charset="0"/>
+              </a:rPr>
+              <a:t>②</a:t>
+            </a:r>
+            <a:endParaRPr lang="en-US" sz="1600" b="1" kern="0" dirty="0">
+              <a:solidFill>
+                <a:srgbClr val="2E74B5"/>
+              </a:solidFill>
+              <a:ea typeface="Times New Roman" charset="0"/>
+              <a:cs typeface="Times New Roman" charset="0"/>
+            </a:endParaRPr>
+          </a:p>
+        </p:txBody>
+      </p:sp>
+      <p:sp>
+        <p:nvSpPr>
+          <p:cNvPr id="4" name="Rectangle 3"/>
+          <p:cNvSpPr/>
+          <p:nvPr/>
+        </p:nvSpPr>
+        <p:spPr>
+          <a:xfrm>
+            <a:off x="5964795" y="3822719"/>
+            <a:ext cx="1380506" cy="338554"/>
+          </a:xfrm>
+          <a:prstGeom prst="rect">
+            <a:avLst/>
+          </a:prstGeom>
+        </p:spPr>
+        <p:txBody>
+          <a:bodyPr wrap="none">
+            <a:spAutoFit/>
+          </a:bodyPr>
+          <a:lstStyle/>
+          <a:p>
+            <a:pPr lvl="2">
+              <a:spcBef>
+                <a:spcPts val="3000"/>
+              </a:spcBef>
+              <a:spcAft>
+                <a:spcPts val="400"/>
+              </a:spcAft>
+            </a:pPr>
+            <a:r>
+              <a:rPr lang="en-US" sz="1600" b="1" kern="0">
+                <a:solidFill>
+                  <a:srgbClr val="2E74B5"/>
+                </a:solidFill>
+                <a:ea typeface="Times New Roman" charset="0"/>
+                <a:cs typeface="Times New Roman" charset="0"/>
+              </a:rPr>
+              <a:t>③</a:t>
+            </a:r>
+            <a:endParaRPr lang="en-US" sz="1600" b="1" kern="0" dirty="0">
+              <a:solidFill>
+                <a:srgbClr val="2E74B5"/>
+              </a:solidFill>
+              <a:ea typeface="Times New Roman" charset="0"/>
+              <a:cs typeface="Times New Roman" charset="0"/>
+            </a:endParaRPr>
+          </a:p>
+        </p:txBody>
+      </p:sp>
+      <p:sp>
+        <p:nvSpPr>
+          <p:cNvPr id="12" name="Rectangle 11"/>
+          <p:cNvSpPr/>
+          <p:nvPr/>
+        </p:nvSpPr>
+        <p:spPr>
+          <a:xfrm>
+            <a:off x="6441868" y="4768132"/>
+            <a:ext cx="1380506" cy="338554"/>
+          </a:xfrm>
+          <a:prstGeom prst="rect">
+            <a:avLst/>
+          </a:prstGeom>
+        </p:spPr>
+        <p:txBody>
+          <a:bodyPr wrap="none">
+            <a:spAutoFit/>
+          </a:bodyPr>
+          <a:lstStyle/>
+          <a:p>
+            <a:pPr lvl="2">
+              <a:spcBef>
+                <a:spcPts val="3000"/>
+              </a:spcBef>
+              <a:spcAft>
+                <a:spcPts val="400"/>
+              </a:spcAft>
+            </a:pPr>
+            <a:r>
+              <a:rPr lang="en-US" sz="1600" b="1" kern="0">
+                <a:solidFill>
+                  <a:srgbClr val="2E74B5"/>
+                </a:solidFill>
+                <a:ea typeface="Times New Roman" charset="0"/>
+                <a:cs typeface="Times New Roman" charset="0"/>
+              </a:rPr>
+              <a:t>④</a:t>
+            </a:r>
+            <a:endParaRPr lang="en-US" sz="1600" b="1" kern="0" dirty="0">
+              <a:solidFill>
+                <a:srgbClr val="2E74B5"/>
+              </a:solidFill>
+              <a:ea typeface="Times New Roman" charset="0"/>
+              <a:cs typeface="Times New Roman" charset="0"/>
+            </a:endParaRPr>
+          </a:p>
+        </p:txBody>
+      </p:sp>
     </p:spTree>
     <p:extLst>
       <p:ext uri="{BB962C8B-B14F-4D97-AF65-F5344CB8AC3E}">
@@ -26683,6 +26919,56 @@
               <a:t> AND TAPE_ID='DV1480L6' ORDER BY START_BLOCK";</a:t>
             </a:r>
             <a:endParaRPr lang="en-US" sz="1000" dirty="0"/>
+          </a:p>
+        </p:txBody>
+      </p:sp>
+      <p:sp>
+        <p:nvSpPr>
+          <p:cNvPr id="11" name="Rectangle 10"/>
+          <p:cNvSpPr/>
+          <p:nvPr/>
+        </p:nvSpPr>
+        <p:spPr>
+          <a:xfrm>
+            <a:off x="7947919" y="3858651"/>
+            <a:ext cx="1380506" cy="338554"/>
+          </a:xfrm>
+          <a:prstGeom prst="rect">
+            <a:avLst/>
+          </a:prstGeom>
+        </p:spPr>
+        <p:txBody>
+          <a:bodyPr wrap="none">
+            <a:spAutoFit/>
+          </a:bodyPr>
+          <a:lstStyle/>
+          <a:p>
+            <a:pPr lvl="2">
+              <a:spcBef>
+                <a:spcPts val="3000"/>
+              </a:spcBef>
+              <a:spcAft>
+                <a:spcPts val="400"/>
+              </a:spcAft>
+            </a:pPr>
+            <a:r>
+              <a:rPr lang="en-US" sz="1600" b="1" kern="0" dirty="0">
+                <a:solidFill>
+                  <a:srgbClr val="2E74B5"/>
+                </a:solidFill>
+                <a:ea typeface="Times New Roman" charset="0"/>
+                <a:cs typeface="Times New Roman" charset="0"/>
+              </a:rPr>
+              <a:t>④</a:t>
+            </a:r>
+            <a:endParaRPr lang="en-US" sz="1600" b="1" kern="0" dirty="0">
+              <a:solidFill>
+                <a:srgbClr val="2E74B5"/>
+              </a:solidFill>
+              <a:effectLst/>
+              <a:ea typeface="Times New Roman" charset="0"/>
+              <a:cs typeface="Times New Roman" charset="0"/>
+            </a:endParaRPr>
           </a:p>
         </p:txBody>
       </p:sp>
